--- a/slides-steve/Chapter 05.pptx
+++ b/slides-steve/Chapter 05.pptx
@@ -143,6 +143,22 @@
       </a:defRPr>
     </a:lvl9pPr>
   </p:defaultTextStyle>
+  <p:extLst>
+    <p:ext uri="{EFAFB233-063F-42B5-8137-9DF3F51BA10A}">
+      <p15:sldGuideLst xmlns:p15="http://schemas.microsoft.com/office/powerpoint/2012/main">
+        <p15:guide id="1" orient="horz" pos="2160">
+          <p15:clr>
+            <a:srgbClr val="A4A3A4"/>
+          </p15:clr>
+        </p15:guide>
+        <p15:guide id="2" pos="2880">
+          <p15:clr>
+            <a:srgbClr val="A4A3A4"/>
+          </p15:clr>
+        </p15:guide>
+      </p15:sldGuideLst>
+    </p:ext>
+  </p:extLst>
 </p:presentation>
 </file>
 
@@ -228,7 +244,7 @@
           <a:p>
             <a:fld id="{EEA5B678-6CD8-354A-99C8-0FAA1A25F517}" type="datetimeFigureOut">
               <a:rPr lang="en-US" smtClean="0"/>
-              <a:t>9/1/15</a:t>
+              <a:t>8/31/16</a:t>
             </a:fld>
             <a:endParaRPr lang="en-US"/>
           </a:p>
@@ -394,7 +410,7 @@
           <a:p>
             <a:fld id="{1423007A-A6EB-6049-A251-0774F8ED762B}" type="datetimeFigureOut">
               <a:rPr lang="en-US" smtClean="0"/>
-              <a:t>9/1/15</a:t>
+              <a:t>8/31/16</a:t>
             </a:fld>
             <a:endParaRPr lang="en-US"/>
           </a:p>
@@ -1038,7 +1054,7 @@
           <a:p>
             <a:fld id="{E248ABB7-F5FA-AC4F-93C1-9403131ECCE6}" type="datetime1">
               <a:rPr lang="en-US" smtClean="0"/>
-              <a:t>9/1/15</a:t>
+              <a:t>8/31/16</a:t>
             </a:fld>
             <a:endParaRPr lang="en-US"/>
           </a:p>
@@ -1330,7 +1346,7 @@
           <a:p>
             <a:fld id="{821262CE-425F-F042-8B1D-B64F0F7F4EE5}" type="datetime1">
               <a:rPr lang="en-US" smtClean="0"/>
-              <a:t>9/1/15</a:t>
+              <a:t>8/31/16</a:t>
             </a:fld>
             <a:endParaRPr lang="en-US"/>
           </a:p>
@@ -1452,7 +1468,7 @@
           <a:p>
             <a:fld id="{F8557A2A-2EE9-3F40-8691-3620E5D9338A}" type="datetime1">
               <a:rPr lang="en-US" smtClean="0"/>
-              <a:t>9/1/15</a:t>
+              <a:t>8/31/16</a:t>
             </a:fld>
             <a:endParaRPr lang="en-US"/>
           </a:p>
@@ -1551,7 +1567,7 @@
           <a:p>
             <a:fld id="{27277052-F9E3-DF4C-AF62-29B65AE92FBB}" type="datetime1">
               <a:rPr lang="en-US" smtClean="0"/>
-              <a:t>9/1/15</a:t>
+              <a:t>8/31/16</a:t>
             </a:fld>
             <a:endParaRPr lang="en-US"/>
           </a:p>
@@ -1797,7 +1813,7 @@
           <a:p>
             <a:fld id="{F59713D5-119A-9C4A-90AC-C8FE640EF901}" type="datetime1">
               <a:rPr lang="en-US" smtClean="0"/>
-              <a:t>9/1/15</a:t>
+              <a:t>8/31/16</a:t>
             </a:fld>
             <a:endParaRPr lang="en-US"/>
           </a:p>
@@ -2043,7 +2059,7 @@
           <a:p>
             <a:fld id="{F1DA65ED-35D7-4244-9BC5-BE9CCC9B9E6A}" type="datetime1">
               <a:rPr lang="en-US" smtClean="0"/>
-              <a:t>9/1/15</a:t>
+              <a:t>8/31/16</a:t>
             </a:fld>
             <a:endParaRPr lang="en-US"/>
           </a:p>
@@ -2434,8 +2450,12 @@
           <a:lstStyle/>
           <a:p>
             <a:r>
-              <a:rPr lang="en-US" dirty="0" smtClean="0"/>
-              <a:t>Chapter Five</a:t>
+              <a:rPr lang="en-US" smtClean="0"/>
+              <a:t>Chapter </a:t>
+            </a:r>
+            <a:r>
+              <a:rPr lang="en-US"/>
+              <a:t>5</a:t>
             </a:r>
             <a:endParaRPr lang="en-US" dirty="0"/>
           </a:p>
@@ -2604,7 +2624,7 @@
           <a:p>
             <a:fld id="{E248ABB7-F5FA-AC4F-93C1-9403131ECCE6}" type="datetime1">
               <a:rPr lang="en-US" smtClean="0"/>
-              <a:t>9/1/15</a:t>
+              <a:t>8/31/16</a:t>
             </a:fld>
             <a:endParaRPr lang="en-US"/>
           </a:p>
@@ -2726,8 +2746,21 @@
           <a:p>
             <a:r>
               <a:rPr lang="en-US" dirty="0" smtClean="0"/>
-              <a:t>Microwave: no</a:t>
-            </a:r>
+              <a:t>Microwave: </a:t>
+            </a:r>
+            <a:r>
+              <a:rPr lang="en-US" dirty="0" smtClean="0"/>
+              <a:t>no (but </a:t>
+            </a:r>
+            <a:r>
+              <a:rPr lang="en-US" dirty="0" err="1" smtClean="0"/>
+              <a:t>IoT</a:t>
+            </a:r>
+            <a:r>
+              <a:rPr lang="en-US" dirty="0" smtClean="0"/>
+              <a:t>)</a:t>
+            </a:r>
+            <a:endParaRPr lang="en-US" dirty="0" smtClean="0"/>
           </a:p>
           <a:p>
             <a:pPr lvl="1"/>
@@ -2804,7 +2837,7 @@
           <a:p>
             <a:fld id="{E248ABB7-F5FA-AC4F-93C1-9403131ECCE6}" type="datetime1">
               <a:rPr lang="en-US" smtClean="0"/>
-              <a:t>9/1/15</a:t>
+              <a:t>8/31/16</a:t>
             </a:fld>
             <a:endParaRPr lang="en-US"/>
           </a:p>
@@ -2990,7 +3023,7 @@
           <a:p>
             <a:fld id="{E248ABB7-F5FA-AC4F-93C1-9403131ECCE6}" type="datetime1">
               <a:rPr lang="en-US" smtClean="0"/>
-              <a:t>9/1/15</a:t>
+              <a:t>8/31/16</a:t>
             </a:fld>
             <a:endParaRPr lang="en-US"/>
           </a:p>
@@ -3184,7 +3217,7 @@
           <a:p>
             <a:fld id="{E248ABB7-F5FA-AC4F-93C1-9403131ECCE6}" type="datetime1">
               <a:rPr lang="en-US" smtClean="0"/>
-              <a:t>9/1/15</a:t>
+              <a:t>8/31/16</a:t>
             </a:fld>
             <a:endParaRPr lang="en-US"/>
           </a:p>
@@ -3341,7 +3374,7 @@
           <a:p>
             <a:fld id="{E248ABB7-F5FA-AC4F-93C1-9403131ECCE6}" type="datetime1">
               <a:rPr lang="en-US" smtClean="0"/>
-              <a:t>9/1/15</a:t>
+              <a:t>8/31/16</a:t>
             </a:fld>
             <a:endParaRPr lang="en-US"/>
           </a:p>
@@ -3513,7 +3546,7 @@
           <a:p>
             <a:fld id="{E248ABB7-F5FA-AC4F-93C1-9403131ECCE6}" type="datetime1">
               <a:rPr lang="en-US" smtClean="0"/>
-              <a:t>9/1/15</a:t>
+              <a:t>8/31/16</a:t>
             </a:fld>
             <a:endParaRPr lang="en-US"/>
           </a:p>
@@ -3703,7 +3736,7 @@
           <a:p>
             <a:fld id="{E248ABB7-F5FA-AC4F-93C1-9403131ECCE6}" type="datetime1">
               <a:rPr lang="en-US" smtClean="0"/>
-              <a:t>9/1/15</a:t>
+              <a:t>8/31/16</a:t>
             </a:fld>
             <a:endParaRPr lang="en-US"/>
           </a:p>
@@ -3860,7 +3893,7 @@
           <a:p>
             <a:fld id="{E248ABB7-F5FA-AC4F-93C1-9403131ECCE6}" type="datetime1">
               <a:rPr lang="en-US" smtClean="0"/>
-              <a:t>9/2/15</a:t>
+              <a:t>8/31/16</a:t>
             </a:fld>
             <a:endParaRPr lang="en-US"/>
           </a:p>
@@ -4044,7 +4077,7 @@
           <a:p>
             <a:fld id="{E248ABB7-F5FA-AC4F-93C1-9403131ECCE6}" type="datetime1">
               <a:rPr lang="en-US" smtClean="0"/>
-              <a:t>9/2/15</a:t>
+              <a:t>8/31/16</a:t>
             </a:fld>
             <a:endParaRPr lang="en-US"/>
           </a:p>
@@ -4207,7 +4240,7 @@
           <a:p>
             <a:fld id="{E248ABB7-F5FA-AC4F-93C1-9403131ECCE6}" type="datetime1">
               <a:rPr lang="en-US" smtClean="0"/>
-              <a:t>9/2/15</a:t>
+              <a:t>8/31/16</a:t>
             </a:fld>
             <a:endParaRPr lang="en-US"/>
           </a:p>
@@ -4353,7 +4386,19 @@
           <a:p>
             <a:r>
               <a:rPr lang="en-US" dirty="0" smtClean="0"/>
-              <a:t>Windows, Linux, OS X</a:t>
+              <a:t>Windows, Linux, OS </a:t>
+            </a:r>
+            <a:r>
+              <a:rPr lang="en-US" dirty="0" smtClean="0"/>
+              <a:t>X (now </a:t>
+            </a:r>
+            <a:r>
+              <a:rPr lang="en-US" dirty="0" err="1" smtClean="0"/>
+              <a:t>MacOS</a:t>
+            </a:r>
+            <a:r>
+              <a:rPr lang="en-US" dirty="0" smtClean="0"/>
+              <a:t>)</a:t>
             </a:r>
             <a:endParaRPr lang="en-US" dirty="0"/>
           </a:p>
@@ -4376,7 +4421,7 @@
           <a:p>
             <a:fld id="{E248ABB7-F5FA-AC4F-93C1-9403131ECCE6}" type="datetime1">
               <a:rPr lang="en-US" smtClean="0"/>
-              <a:t>9/2/15</a:t>
+              <a:t>8/31/16</a:t>
             </a:fld>
             <a:endParaRPr lang="en-US"/>
           </a:p>
@@ -4533,7 +4578,7 @@
           <a:p>
             <a:fld id="{E248ABB7-F5FA-AC4F-93C1-9403131ECCE6}" type="datetime1">
               <a:rPr lang="en-US" smtClean="0"/>
-              <a:t>9/2/15</a:t>
+              <a:t>8/31/16</a:t>
             </a:fld>
             <a:endParaRPr lang="en-US"/>
           </a:p>
@@ -4697,7 +4742,7 @@
           <a:p>
             <a:fld id="{E248ABB7-F5FA-AC4F-93C1-9403131ECCE6}" type="datetime1">
               <a:rPr lang="en-US" smtClean="0"/>
-              <a:t>9/2/15</a:t>
+              <a:t>8/31/16</a:t>
             </a:fld>
             <a:endParaRPr lang="en-US"/>
           </a:p>
@@ -4882,7 +4927,7 @@
           <a:p>
             <a:fld id="{E248ABB7-F5FA-AC4F-93C1-9403131ECCE6}" type="datetime1">
               <a:rPr lang="en-US" smtClean="0"/>
-              <a:t>9/2/15</a:t>
+              <a:t>8/31/16</a:t>
             </a:fld>
             <a:endParaRPr lang="en-US"/>
           </a:p>
@@ -5059,7 +5104,7 @@
           <a:p>
             <a:fld id="{E248ABB7-F5FA-AC4F-93C1-9403131ECCE6}" type="datetime1">
               <a:rPr lang="en-US" smtClean="0"/>
-              <a:t>9/2/15</a:t>
+              <a:t>8/31/16</a:t>
             </a:fld>
             <a:endParaRPr lang="en-US"/>
           </a:p>
@@ -5245,7 +5290,7 @@
           <a:p>
             <a:fld id="{E248ABB7-F5FA-AC4F-93C1-9403131ECCE6}" type="datetime1">
               <a:rPr lang="en-US" smtClean="0"/>
-              <a:t>9/2/15</a:t>
+              <a:t>8/31/16</a:t>
             </a:fld>
             <a:endParaRPr lang="en-US"/>
           </a:p>
@@ -5433,7 +5478,7 @@
           <a:p>
             <a:fld id="{E248ABB7-F5FA-AC4F-93C1-9403131ECCE6}" type="datetime1">
               <a:rPr lang="en-US" smtClean="0"/>
-              <a:t>9/2/15</a:t>
+              <a:t>8/31/16</a:t>
             </a:fld>
             <a:endParaRPr lang="en-US"/>
           </a:p>
@@ -5555,11 +5600,7 @@
           <a:p>
             <a:r>
               <a:rPr lang="en-US" dirty="0" smtClean="0"/>
-              <a:t>Linux </a:t>
-            </a:r>
-            <a:r>
-              <a:rPr lang="en-US" dirty="0" err="1" smtClean="0"/>
-              <a:t>Torvolds</a:t>
+              <a:t>Linus Torvalds</a:t>
             </a:r>
             <a:endParaRPr lang="en-US" dirty="0" smtClean="0"/>
           </a:p>
@@ -5611,7 +5652,7 @@
           <a:p>
             <a:fld id="{E248ABB7-F5FA-AC4F-93C1-9403131ECCE6}" type="datetime1">
               <a:rPr lang="en-US" smtClean="0"/>
-              <a:t>9/2/15</a:t>
+              <a:t>8/31/16</a:t>
             </a:fld>
             <a:endParaRPr lang="en-US"/>
           </a:p>
@@ -5760,7 +5801,11 @@
               <a:t> began the debate in 1992 on the Usenet discussion group </a:t>
             </a:r>
             <a:r>
-              <a:rPr lang="en-US" dirty="0" err="1"/>
+              <a:rPr lang="en-US" sz="2800" dirty="0" err="1">
+                <a:latin typeface="Courier" charset="0"/>
+                <a:ea typeface="Courier" charset="0"/>
+                <a:cs typeface="Courier" charset="0"/>
+              </a:rPr>
               <a:t>comp.os.minix</a:t>
             </a:r>
             <a:r>
@@ -5787,7 +5832,7 @@
           <a:p>
             <a:fld id="{E248ABB7-F5FA-AC4F-93C1-9403131ECCE6}" type="datetime1">
               <a:rPr lang="en-US" smtClean="0"/>
-              <a:t>9/2/15</a:t>
+              <a:t>8/31/16</a:t>
             </a:fld>
             <a:endParaRPr lang="en-US"/>
           </a:p>
@@ -5928,7 +5973,7 @@
           <a:p>
             <a:fld id="{E248ABB7-F5FA-AC4F-93C1-9403131ECCE6}" type="datetime1">
               <a:rPr lang="en-US" smtClean="0"/>
-              <a:t>9/2/15</a:t>
+              <a:t>8/31/16</a:t>
             </a:fld>
             <a:endParaRPr lang="en-US"/>
           </a:p>
@@ -6069,7 +6114,7 @@
           <a:p>
             <a:fld id="{E248ABB7-F5FA-AC4F-93C1-9403131ECCE6}" type="datetime1">
               <a:rPr lang="en-US" smtClean="0"/>
-              <a:t>9/2/15</a:t>
+              <a:t>8/31/16</a:t>
             </a:fld>
             <a:endParaRPr lang="en-US"/>
           </a:p>
@@ -6250,7 +6295,7 @@
           <a:p>
             <a:fld id="{E248ABB7-F5FA-AC4F-93C1-9403131ECCE6}" type="datetime1">
               <a:rPr lang="en-US" smtClean="0"/>
-              <a:t>9/1/15</a:t>
+              <a:t>8/31/16</a:t>
             </a:fld>
             <a:endParaRPr lang="en-US"/>
           </a:p>
@@ -6436,7 +6481,7 @@
           <a:p>
             <a:fld id="{E248ABB7-F5FA-AC4F-93C1-9403131ECCE6}" type="datetime1">
               <a:rPr lang="en-US" smtClean="0"/>
-              <a:t>9/2/15</a:t>
+              <a:t>8/31/16</a:t>
             </a:fld>
             <a:endParaRPr lang="en-US"/>
           </a:p>
@@ -6535,7 +6580,7 @@
           <a:p>
             <a:fld id="{E248ABB7-F5FA-AC4F-93C1-9403131ECCE6}" type="datetime1">
               <a:rPr lang="en-US" smtClean="0"/>
-              <a:t>9/2/15</a:t>
+              <a:t>8/31/16</a:t>
             </a:fld>
             <a:endParaRPr lang="en-US"/>
           </a:p>
@@ -6757,7 +6802,7 @@
           <a:p>
             <a:fld id="{27277052-F9E3-DF4C-AF62-29B65AE92FBB}" type="datetime1">
               <a:rPr lang="en-US" smtClean="0"/>
-              <a:t>9/2/15</a:t>
+              <a:t>8/31/16</a:t>
             </a:fld>
             <a:endParaRPr lang="en-US"/>
           </a:p>
@@ -6935,7 +6980,7 @@
           <a:p>
             <a:fld id="{E248ABB7-F5FA-AC4F-93C1-9403131ECCE6}" type="datetime1">
               <a:rPr lang="en-US" smtClean="0"/>
-              <a:t>9/2/15</a:t>
+              <a:t>8/31/16</a:t>
             </a:fld>
             <a:endParaRPr lang="en-US"/>
           </a:p>
@@ -7086,7 +7131,7 @@
           <a:p>
             <a:fld id="{E248ABB7-F5FA-AC4F-93C1-9403131ECCE6}" type="datetime1">
               <a:rPr lang="en-US" smtClean="0"/>
-              <a:t>9/2/15</a:t>
+              <a:t>8/31/16</a:t>
             </a:fld>
             <a:endParaRPr lang="en-US"/>
           </a:p>
@@ -7268,7 +7313,7 @@
           <a:p>
             <a:fld id="{E248ABB7-F5FA-AC4F-93C1-9403131ECCE6}" type="datetime1">
               <a:rPr lang="en-US" smtClean="0"/>
-              <a:t>9/1/15</a:t>
+              <a:t>8/31/16</a:t>
             </a:fld>
             <a:endParaRPr lang="en-US"/>
           </a:p>
@@ -7426,7 +7471,7 @@
           <a:p>
             <a:fld id="{E248ABB7-F5FA-AC4F-93C1-9403131ECCE6}" type="datetime1">
               <a:rPr lang="en-US" smtClean="0"/>
-              <a:t>9/1/15</a:t>
+              <a:t>8/31/16</a:t>
             </a:fld>
             <a:endParaRPr lang="en-US"/>
           </a:p>
@@ -7609,7 +7654,7 @@
           <a:p>
             <a:fld id="{E248ABB7-F5FA-AC4F-93C1-9403131ECCE6}" type="datetime1">
               <a:rPr lang="en-US" smtClean="0"/>
-              <a:t>9/1/15</a:t>
+              <a:t>8/31/16</a:t>
             </a:fld>
             <a:endParaRPr lang="en-US"/>
           </a:p>
@@ -7802,7 +7847,7 @@
           <a:p>
             <a:fld id="{E248ABB7-F5FA-AC4F-93C1-9403131ECCE6}" type="datetime1">
               <a:rPr lang="en-US" smtClean="0"/>
-              <a:t>9/1/15</a:t>
+              <a:t>8/31/16</a:t>
             </a:fld>
             <a:endParaRPr lang="en-US"/>
           </a:p>
@@ -7968,7 +8013,7 @@
           <a:p>
             <a:fld id="{E248ABB7-F5FA-AC4F-93C1-9403131ECCE6}" type="datetime1">
               <a:rPr lang="en-US" smtClean="0"/>
-              <a:t>9/1/15</a:t>
+              <a:t>8/31/16</a:t>
             </a:fld>
             <a:endParaRPr lang="en-US"/>
           </a:p>
@@ -8145,7 +8190,7 @@
           <a:p>
             <a:fld id="{E248ABB7-F5FA-AC4F-93C1-9403131ECCE6}" type="datetime1">
               <a:rPr lang="en-US" smtClean="0"/>
-              <a:t>9/1/15</a:t>
+              <a:t>8/31/16</a:t>
             </a:fld>
             <a:endParaRPr lang="en-US"/>
           </a:p>
